--- a/images/Presentation1.pptx
+++ b/images/Presentation1.pptx
@@ -5,7 +5,7 @@
     <p:sldMasterId id="2147483648" r:id="rId1"/>
   </p:sldMasterIdLst>
   <p:notesMasterIdLst>
-    <p:notesMasterId r:id="rId8"/>
+    <p:notesMasterId r:id="rId9"/>
   </p:notesMasterIdLst>
   <p:sldIdLst>
     <p:sldId id="256" r:id="rId2"/>
@@ -13,7 +13,8 @@
     <p:sldId id="258" r:id="rId4"/>
     <p:sldId id="259" r:id="rId5"/>
     <p:sldId id="261" r:id="rId6"/>
-    <p:sldId id="260" r:id="rId7"/>
+    <p:sldId id="262" r:id="rId7"/>
+    <p:sldId id="260" r:id="rId8"/>
   </p:sldIdLst>
   <p:sldSz cx="12192000" cy="6858000"/>
   <p:notesSz cx="6858000" cy="9144000"/>
@@ -629,6 +630,90 @@
     <p:extLst>
       <p:ext uri="{BB962C8B-B14F-4D97-AF65-F5344CB8AC3E}">
         <p14:creationId xmlns:p14="http://schemas.microsoft.com/office/powerpoint/2010/main" val="1715615087"/>
+      </p:ext>
+    </p:extLst>
+  </p:cSld>
+  <p:clrMapOvr>
+    <a:masterClrMapping/>
+  </p:clrMapOvr>
+</p:notes>
+</file>
+
+<file path=ppt/notesSlides/notesSlide3.xml><?xml version="1.0" encoding="utf-8"?>
+<p:notes xmlns:a="http://schemas.openxmlformats.org/drawingml/2006/main" xmlns:r="http://schemas.openxmlformats.org/officeDocument/2006/relationships" xmlns:p="http://schemas.openxmlformats.org/presentationml/2006/main">
+  <p:cSld>
+    <p:spTree>
+      <p:nvGrpSpPr>
+        <p:cNvPr id="1" name=""/>
+        <p:cNvGrpSpPr/>
+        <p:nvPr/>
+      </p:nvGrpSpPr>
+      <p:grpSpPr>
+        <a:xfrm>
+          <a:off x="0" y="0"/>
+          <a:ext cx="0" cy="0"/>
+          <a:chOff x="0" y="0"/>
+          <a:chExt cx="0" cy="0"/>
+        </a:xfrm>
+      </p:grpSpPr>
+      <p:sp>
+        <p:nvSpPr>
+          <p:cNvPr id="2" name="Slide Image Placeholder 1"/>
+          <p:cNvSpPr>
+            <a:spLocks noGrp="1" noRot="1" noChangeAspect="1"/>
+          </p:cNvSpPr>
+          <p:nvPr>
+            <p:ph type="sldImg"/>
+          </p:nvPr>
+        </p:nvSpPr>
+        <p:spPr/>
+      </p:sp>
+      <p:sp>
+        <p:nvSpPr>
+          <p:cNvPr id="3" name="Notes Placeholder 2"/>
+          <p:cNvSpPr>
+            <a:spLocks noGrp="1"/>
+          </p:cNvSpPr>
+          <p:nvPr>
+            <p:ph type="body" idx="1"/>
+          </p:nvPr>
+        </p:nvSpPr>
+        <p:spPr/>
+        <p:txBody>
+          <a:bodyPr/>
+          <a:lstStyle/>
+          <a:p>
+            <a:endParaRPr lang="en-US" dirty="0"/>
+          </a:p>
+        </p:txBody>
+      </p:sp>
+      <p:sp>
+        <p:nvSpPr>
+          <p:cNvPr id="4" name="Slide Number Placeholder 3"/>
+          <p:cNvSpPr>
+            <a:spLocks noGrp="1"/>
+          </p:cNvSpPr>
+          <p:nvPr>
+            <p:ph type="sldNum" sz="quarter" idx="10"/>
+          </p:nvPr>
+        </p:nvSpPr>
+        <p:spPr/>
+        <p:txBody>
+          <a:bodyPr/>
+          <a:lstStyle/>
+          <a:p>
+            <a:fld id="{FFFE7563-4EEC-2B45-8005-BA1BD0E88CD1}" type="slidenum">
+              <a:rPr lang="en-US" smtClean="0"/>
+              <a:t>6</a:t>
+            </a:fld>
+            <a:endParaRPr lang="en-US"/>
+          </a:p>
+        </p:txBody>
+      </p:sp>
+    </p:spTree>
+    <p:extLst>
+      <p:ext uri="{BB962C8B-B14F-4D97-AF65-F5344CB8AC3E}">
+        <p14:creationId xmlns:p14="http://schemas.microsoft.com/office/powerpoint/2010/main" val="1277837582"/>
       </p:ext>
     </p:extLst>
   </p:cSld>
@@ -4370,10 +4455,10 @@
         </p:nvGrpSpPr>
         <p:grpSpPr>
           <a:xfrm>
-            <a:off x="315125" y="668649"/>
-            <a:ext cx="11738059" cy="5024636"/>
-            <a:chOff x="-104412" y="411106"/>
-            <a:chExt cx="13012057" cy="5024636"/>
+            <a:off x="0" y="841835"/>
+            <a:ext cx="12053184" cy="4851450"/>
+            <a:chOff x="-453739" y="584292"/>
+            <a:chExt cx="13361384" cy="4851450"/>
           </a:xfrm>
         </p:grpSpPr>
         <p:pic>
@@ -4417,7 +4502,7 @@
               <p:spPr>
                 <a:xfrm>
                   <a:off x="-104412" y="1603924"/>
-                  <a:ext cx="8323528" cy="3831818"/>
+                  <a:ext cx="8323529" cy="3831818"/>
                 </a:xfrm>
                 <a:prstGeom prst="rect">
                   <a:avLst/>
@@ -4733,7 +4818,7 @@
               <p:spPr>
                 <a:xfrm>
                   <a:off x="-104412" y="1603924"/>
-                  <a:ext cx="8323528" cy="3831818"/>
+                  <a:ext cx="8323529" cy="3831818"/>
                 </a:xfrm>
                 <a:prstGeom prst="rect">
                   <a:avLst/>
@@ -4768,8 +4853,8 @@
           </p:nvSpPr>
           <p:spPr>
             <a:xfrm>
-              <a:off x="-104412" y="411106"/>
-              <a:ext cx="12628197" cy="892552"/>
+              <a:off x="-453739" y="584292"/>
+              <a:ext cx="12682846" cy="892552"/>
             </a:xfrm>
             <a:prstGeom prst="rect">
               <a:avLst/>
@@ -4872,6 +4957,605 @@
 </file>
 
 <file path=ppt/slides/slide6.xml><?xml version="1.0" encoding="utf-8"?>
+<p:sld xmlns:a="http://schemas.openxmlformats.org/drawingml/2006/main" xmlns:r="http://schemas.openxmlformats.org/officeDocument/2006/relationships" xmlns:p="http://schemas.openxmlformats.org/presentationml/2006/main">
+  <p:cSld>
+    <p:spTree>
+      <p:nvGrpSpPr>
+        <p:cNvPr id="1" name=""/>
+        <p:cNvGrpSpPr/>
+        <p:nvPr/>
+      </p:nvGrpSpPr>
+      <p:grpSpPr>
+        <a:xfrm>
+          <a:off x="0" y="0"/>
+          <a:ext cx="0" cy="0"/>
+          <a:chOff x="0" y="0"/>
+          <a:chExt cx="0" cy="0"/>
+        </a:xfrm>
+      </p:grpSpPr>
+      <p:pic>
+        <p:nvPicPr>
+          <p:cNvPr id="8" name="Content Placeholder 3"/>
+          <p:cNvPicPr>
+            <a:picLocks noGrp="1" noChangeAspect="1"/>
+          </p:cNvPicPr>
+          <p:nvPr>
+            <p:ph idx="1"/>
+          </p:nvPr>
+        </p:nvPicPr>
+        <p:blipFill>
+          <a:blip r:embed="rId3">
+            <a:extLst>
+              <a:ext uri="{28A0092B-C50C-407E-A947-70E740481C1C}">
+                <a14:useLocalDpi xmlns:a14="http://schemas.microsoft.com/office/drawing/2010/main" val="0"/>
+              </a:ext>
+            </a:extLst>
+          </a:blip>
+          <a:stretch>
+            <a:fillRect/>
+          </a:stretch>
+        </p:blipFill>
+        <p:spPr>
+          <a:xfrm>
+            <a:off x="-19844" y="5141291"/>
+            <a:ext cx="12210401" cy="1621767"/>
+          </a:xfrm>
+        </p:spPr>
+      </p:pic>
+      <p:sp>
+        <p:nvSpPr>
+          <p:cNvPr id="18" name="Rectangle 17"/>
+          <p:cNvSpPr/>
+          <p:nvPr/>
+        </p:nvSpPr>
+        <p:spPr>
+          <a:xfrm>
+            <a:off x="-19842" y="576776"/>
+            <a:ext cx="12159224" cy="5757333"/>
+          </a:xfrm>
+          <a:prstGeom prst="rect">
+            <a:avLst/>
+          </a:prstGeom>
+          <a:noFill/>
+          <a:ln>
+            <a:noFill/>
+          </a:ln>
+        </p:spPr>
+        <p:style>
+          <a:lnRef idx="2">
+            <a:schemeClr val="accent1">
+              <a:shade val="50000"/>
+            </a:schemeClr>
+          </a:lnRef>
+          <a:fillRef idx="1">
+            <a:schemeClr val="accent1"/>
+          </a:fillRef>
+          <a:effectRef idx="0">
+            <a:schemeClr val="accent1"/>
+          </a:effectRef>
+          <a:fontRef idx="minor">
+            <a:schemeClr val="lt1"/>
+          </a:fontRef>
+        </p:style>
+        <p:txBody>
+          <a:bodyPr rtlCol="0" anchor="ctr"/>
+          <a:lstStyle/>
+          <a:p>
+            <a:pPr algn="ctr"/>
+            <a:endParaRPr lang="en-US"/>
+          </a:p>
+        </p:txBody>
+      </p:sp>
+      <p:grpSp>
+        <p:nvGrpSpPr>
+          <p:cNvPr id="17" name="Group 16"/>
+          <p:cNvGrpSpPr/>
+          <p:nvPr/>
+        </p:nvGrpSpPr>
+        <p:grpSpPr>
+          <a:xfrm>
+            <a:off x="0" y="841835"/>
+            <a:ext cx="12053184" cy="4851450"/>
+            <a:chOff x="-453739" y="584292"/>
+            <a:chExt cx="13361384" cy="4851450"/>
+          </a:xfrm>
+        </p:grpSpPr>
+        <p:pic>
+          <p:nvPicPr>
+            <p:cNvPr id="5" name="Picture 4"/>
+            <p:cNvPicPr>
+              <a:picLocks noChangeAspect="1"/>
+            </p:cNvPicPr>
+            <p:nvPr/>
+          </p:nvPicPr>
+          <p:blipFill>
+            <a:blip r:embed="rId4">
+              <a:extLst>
+                <a:ext uri="{28A0092B-C50C-407E-A947-70E740481C1C}">
+                  <a14:useLocalDpi xmlns:a14="http://schemas.microsoft.com/office/drawing/2010/main" val="0"/>
+                </a:ext>
+              </a:extLst>
+            </a:blip>
+            <a:stretch>
+              <a:fillRect/>
+            </a:stretch>
+          </p:blipFill>
+          <p:spPr>
+            <a:xfrm>
+              <a:off x="8723261" y="1297133"/>
+              <a:ext cx="4184384" cy="3586615"/>
+            </a:xfrm>
+            <a:prstGeom prst="rect">
+              <a:avLst/>
+            </a:prstGeom>
+          </p:spPr>
+        </p:pic>
+        <mc:AlternateContent xmlns:mc="http://schemas.openxmlformats.org/markup-compatibility/2006">
+          <mc:Choice xmlns:a14="http://schemas.microsoft.com/office/drawing/2010/main" Requires="a14">
+            <p:sp>
+              <p:nvSpPr>
+                <p:cNvPr id="6" name="TextBox 5"/>
+                <p:cNvSpPr txBox="1"/>
+                <p:nvPr/>
+              </p:nvSpPr>
+              <p:spPr>
+                <a:xfrm>
+                  <a:off x="-104412" y="1603924"/>
+                  <a:ext cx="8827673" cy="3831818"/>
+                </a:xfrm>
+                <a:prstGeom prst="rect">
+                  <a:avLst/>
+                </a:prstGeom>
+                <a:noFill/>
+              </p:spPr>
+              <p:txBody>
+                <a:bodyPr wrap="square" rtlCol="0">
+                  <a:spAutoFit/>
+                </a:bodyPr>
+                <a:lstStyle/>
+                <a:p>
+                  <a:pPr algn="ctr">
+                    <a:lnSpc>
+                      <a:spcPct val="150000"/>
+                    </a:lnSpc>
+                  </a:pPr>
+                  <a:r>
+                    <a:rPr lang="en-US" sz="5400" b="1" i="1" dirty="0" smtClean="0">
+                      <a:solidFill>
+                        <a:schemeClr val="tx1">
+                          <a:lumMod val="85000"/>
+                          <a:lumOff val="15000"/>
+                        </a:schemeClr>
+                      </a:solidFill>
+                      <a:latin typeface="Baskerville SemiBold" charset="0"/>
+                      <a:ea typeface="Baskerville SemiBold" charset="0"/>
+                      <a:cs typeface="Baskerville SemiBold" charset="0"/>
+                    </a:rPr>
+                    <a:t>DeepTest</a:t>
+                  </a:r>
+                  <a:r>
+                    <a:rPr lang="en-US" sz="5400" b="1" i="1" dirty="0">
+                      <a:solidFill>
+                        <a:schemeClr val="tx1">
+                          <a:lumMod val="85000"/>
+                          <a:lumOff val="15000"/>
+                        </a:schemeClr>
+                      </a:solidFill>
+                      <a:latin typeface="Baskerville SemiBold" charset="0"/>
+                      <a:ea typeface="Baskerville SemiBold" charset="0"/>
+                      <a:cs typeface="Baskerville SemiBold" charset="0"/>
+                    </a:rPr>
+                    <a:t> </a:t>
+                  </a:r>
+                  <a:r>
+                    <a:rPr lang="en-US" sz="5400" b="1" i="1" dirty="0" smtClean="0">
+                      <a:solidFill>
+                        <a:schemeClr val="tx1">
+                          <a:lumMod val="85000"/>
+                          <a:lumOff val="15000"/>
+                        </a:schemeClr>
+                      </a:solidFill>
+                      <a:latin typeface="Baskerville SemiBold" charset="0"/>
+                      <a:ea typeface="Baskerville SemiBold" charset="0"/>
+                      <a:cs typeface="Baskerville SemiBold" charset="0"/>
+                    </a:rPr>
+                    <a:t> </a:t>
+                  </a:r>
+                  <a:r>
+                    <a:rPr lang="en-US" sz="5400" b="1" i="1" dirty="0" smtClean="0">
+                      <a:solidFill>
+                        <a:schemeClr val="tx1">
+                          <a:lumMod val="85000"/>
+                          <a:lumOff val="15000"/>
+                        </a:schemeClr>
+                      </a:solidFill>
+                      <a:latin typeface="Baskerville SemiBold" charset="0"/>
+                      <a:ea typeface="Baskerville SemiBold" charset="0"/>
+                      <a:cs typeface="Baskerville SemiBold" charset="0"/>
+                    </a:rPr>
+                    <a:t>2019</a:t>
+                  </a:r>
+                  <a:endParaRPr lang="en-US" sz="5400" b="1" i="1" dirty="0">
+                    <a:solidFill>
+                      <a:schemeClr val="tx1">
+                        <a:lumMod val="85000"/>
+                        <a:lumOff val="15000"/>
+                      </a:schemeClr>
+                    </a:solidFill>
+                    <a:latin typeface="Baskerville SemiBold" charset="0"/>
+                    <a:ea typeface="Baskerville SemiBold" charset="0"/>
+                    <a:cs typeface="Baskerville SemiBold" charset="0"/>
+                  </a:endParaRPr>
+                </a:p>
+                <a:p>
+                  <a:pPr algn="ctr">
+                    <a:lnSpc>
+                      <a:spcPct val="150000"/>
+                    </a:lnSpc>
+                  </a:pPr>
+                  <a:r>
+                    <a:rPr lang="en-US" sz="3200" i="1" dirty="0" smtClean="0">
+                      <a:solidFill>
+                        <a:schemeClr val="tx1">
+                          <a:lumMod val="85000"/>
+                          <a:lumOff val="15000"/>
+                        </a:schemeClr>
+                      </a:solidFill>
+                      <a:latin typeface="Baskerville" charset="0"/>
+                      <a:ea typeface="Baskerville" charset="0"/>
+                      <a:cs typeface="Baskerville" charset="0"/>
+                    </a:rPr>
+                    <a:t>1</a:t>
+                  </a:r>
+                  <a:r>
+                    <a:rPr lang="en-US" sz="3200" i="1" baseline="30000" dirty="0" smtClean="0">
+                      <a:solidFill>
+                        <a:schemeClr val="tx1">
+                          <a:lumMod val="85000"/>
+                          <a:lumOff val="15000"/>
+                        </a:schemeClr>
+                      </a:solidFill>
+                      <a:latin typeface="Baskerville" charset="0"/>
+                      <a:ea typeface="Baskerville" charset="0"/>
+                      <a:cs typeface="Baskerville" charset="0"/>
+                    </a:rPr>
+                    <a:t>st</a:t>
+                  </a:r>
+                  <a:r>
+                    <a:rPr lang="en-US" sz="3200" i="1" dirty="0" smtClean="0">
+                      <a:solidFill>
+                        <a:schemeClr val="tx1">
+                          <a:lumMod val="85000"/>
+                          <a:lumOff val="15000"/>
+                        </a:schemeClr>
+                      </a:solidFill>
+                      <a:latin typeface="Baskerville" charset="0"/>
+                      <a:ea typeface="Baskerville" charset="0"/>
+                      <a:cs typeface="Baskerville" charset="0"/>
+                    </a:rPr>
+                    <a:t> </a:t>
+                  </a:r>
+                  <a:r>
+                    <a:rPr lang="en-US" sz="3200" i="1" dirty="0" smtClean="0">
+                      <a:solidFill>
+                        <a:schemeClr val="tx1">
+                          <a:lumMod val="85000"/>
+                          <a:lumOff val="15000"/>
+                        </a:schemeClr>
+                      </a:solidFill>
+                      <a:latin typeface="Baskerville" charset="0"/>
+                      <a:ea typeface="Baskerville" charset="0"/>
+                      <a:cs typeface="Baskerville" charset="0"/>
+                    </a:rPr>
+                    <a:t>workshop on </a:t>
+                  </a:r>
+                  <a:r>
+                    <a:rPr lang="en-US" sz="3200" i="1" dirty="0" smtClean="0">
+                      <a:solidFill>
+                        <a:schemeClr val="tx1">
+                          <a:lumMod val="85000"/>
+                          <a:lumOff val="15000"/>
+                        </a:schemeClr>
+                      </a:solidFill>
+                      <a:latin typeface="Baskerville" charset="0"/>
+                      <a:ea typeface="Baskerville" charset="0"/>
+                      <a:cs typeface="Baskerville" charset="0"/>
+                    </a:rPr>
+                    <a:t>Deep </a:t>
+                  </a:r>
+                  <a:r>
+                    <a:rPr lang="en-US" sz="3200" i="1" dirty="0" smtClean="0">
+                      <a:solidFill>
+                        <a:schemeClr val="tx1">
+                          <a:lumMod val="85000"/>
+                          <a:lumOff val="15000"/>
+                        </a:schemeClr>
+                      </a:solidFill>
+                      <a:latin typeface="Baskerville" charset="0"/>
+                      <a:ea typeface="Baskerville" charset="0"/>
+                      <a:cs typeface="Baskerville" charset="0"/>
+                    </a:rPr>
+                    <a:t>Learning </a:t>
+                  </a:r>
+                  <a14:m>
+                    <m:oMath xmlns:m="http://schemas.openxmlformats.org/officeDocument/2006/math">
+                      <m:r>
+                        <a:rPr lang="en-US" sz="3200" b="0" i="1" smtClean="0">
+                          <a:solidFill>
+                            <a:schemeClr val="tx1">
+                              <a:lumMod val="85000"/>
+                              <a:lumOff val="15000"/>
+                            </a:schemeClr>
+                          </a:solidFill>
+                          <a:latin typeface="Baskerville" charset="0"/>
+                          <a:ea typeface="Baskerville" charset="0"/>
+                          <a:cs typeface="Baskerville" charset="0"/>
+                        </a:rPr>
+                        <m:t>⇌</m:t>
+                      </m:r>
+                    </m:oMath>
+                  </a14:m>
+                  <a:r>
+                    <a:rPr lang="en-US" sz="3200" i="1" dirty="0" smtClean="0">
+                      <a:solidFill>
+                        <a:schemeClr val="tx1">
+                          <a:lumMod val="85000"/>
+                          <a:lumOff val="15000"/>
+                        </a:schemeClr>
+                      </a:solidFill>
+                      <a:latin typeface="Baskerville" charset="0"/>
+                      <a:ea typeface="Baskerville" charset="0"/>
+                      <a:cs typeface="Baskerville" charset="0"/>
+                    </a:rPr>
+                    <a:t> </a:t>
+                  </a:r>
+                  <a:r>
+                    <a:rPr lang="en-US" sz="3200" i="1" dirty="0" smtClean="0">
+                      <a:solidFill>
+                        <a:schemeClr val="tx1">
+                          <a:lumMod val="85000"/>
+                          <a:lumOff val="15000"/>
+                        </a:schemeClr>
+                      </a:solidFill>
+                      <a:latin typeface="Baskerville" charset="0"/>
+                      <a:ea typeface="Baskerville" charset="0"/>
+                      <a:cs typeface="Baskerville" charset="0"/>
+                    </a:rPr>
+                    <a:t>Testing</a:t>
+                  </a:r>
+                </a:p>
+                <a:p>
+                  <a:pPr algn="ctr">
+                    <a:lnSpc>
+                      <a:spcPct val="150000"/>
+                    </a:lnSpc>
+                  </a:pPr>
+                  <a:r>
+                    <a:rPr lang="en-US" sz="3200" b="1" i="1" dirty="0" smtClean="0">
+                      <a:solidFill>
+                        <a:schemeClr val="tx1">
+                          <a:lumMod val="85000"/>
+                          <a:lumOff val="15000"/>
+                        </a:schemeClr>
+                      </a:solidFill>
+                      <a:latin typeface="Baskerville SemiBold" charset="0"/>
+                      <a:ea typeface="Baskerville SemiBold" charset="0"/>
+                      <a:cs typeface="Baskerville SemiBold" charset="0"/>
+                    </a:rPr>
+                    <a:t>May 28</a:t>
+                  </a:r>
+                  <a:r>
+                    <a:rPr lang="en-US" sz="3200" b="1" i="1" baseline="30000" dirty="0" smtClean="0">
+                      <a:solidFill>
+                        <a:schemeClr val="tx1">
+                          <a:lumMod val="85000"/>
+                          <a:lumOff val="15000"/>
+                        </a:schemeClr>
+                      </a:solidFill>
+                      <a:latin typeface="Baskerville SemiBold" charset="0"/>
+                      <a:ea typeface="Baskerville SemiBold" charset="0"/>
+                      <a:cs typeface="Baskerville SemiBold" charset="0"/>
+                    </a:rPr>
+                    <a:t>th</a:t>
+                  </a:r>
+                  <a:r>
+                    <a:rPr lang="en-US" sz="3200" b="1" i="1" dirty="0" smtClean="0">
+                      <a:solidFill>
+                        <a:schemeClr val="tx1">
+                          <a:lumMod val="85000"/>
+                          <a:lumOff val="15000"/>
+                        </a:schemeClr>
+                      </a:solidFill>
+                      <a:latin typeface="Baskerville SemiBold" charset="0"/>
+                      <a:ea typeface="Baskerville SemiBold" charset="0"/>
+                      <a:cs typeface="Baskerville SemiBold" charset="0"/>
+                    </a:rPr>
+                    <a:t>, 2019 @ Montreal, Canada</a:t>
+                  </a:r>
+                  <a:endParaRPr lang="en-US" sz="3200" b="1" i="1" dirty="0" smtClean="0">
+                    <a:solidFill>
+                      <a:schemeClr val="tx1">
+                        <a:lumMod val="85000"/>
+                        <a:lumOff val="15000"/>
+                      </a:schemeClr>
+                    </a:solidFill>
+                    <a:latin typeface="Baskerville SemiBold" charset="0"/>
+                    <a:ea typeface="Baskerville SemiBold" charset="0"/>
+                    <a:cs typeface="Baskerville SemiBold" charset="0"/>
+                  </a:endParaRPr>
+                </a:p>
+                <a:p>
+                  <a:pPr algn="ctr">
+                    <a:lnSpc>
+                      <a:spcPct val="150000"/>
+                    </a:lnSpc>
+                  </a:pPr>
+                  <a:endParaRPr lang="en-US" sz="4400" dirty="0" smtClean="0">
+                    <a:solidFill>
+                      <a:schemeClr val="tx1">
+                        <a:lumMod val="85000"/>
+                        <a:lumOff val="15000"/>
+                      </a:schemeClr>
+                    </a:solidFill>
+                    <a:latin typeface="Apple Chancery" charset="0"/>
+                    <a:ea typeface="Apple Chancery" charset="0"/>
+                    <a:cs typeface="Apple Chancery" charset="0"/>
+                  </a:endParaRPr>
+                </a:p>
+              </p:txBody>
+            </p:sp>
+          </mc:Choice>
+          <mc:Fallback>
+            <p:sp>
+              <p:nvSpPr>
+                <p:cNvPr id="6" name="TextBox 5"/>
+                <p:cNvSpPr txBox="1">
+                  <a:spLocks noRot="1" noChangeAspect="1" noMove="1" noResize="1" noEditPoints="1" noAdjustHandles="1" noChangeArrowheads="1" noChangeShapeType="1" noTextEdit="1"/>
+                </p:cNvSpPr>
+                <p:nvPr/>
+              </p:nvSpPr>
+              <p:spPr>
+                <a:xfrm>
+                  <a:off x="-104412" y="1603924"/>
+                  <a:ext cx="8827673" cy="3831818"/>
+                </a:xfrm>
+                <a:prstGeom prst="rect">
+                  <a:avLst/>
+                </a:prstGeom>
+                <a:blipFill rotWithShape="0">
+                  <a:blip r:embed="rId5"/>
+                  <a:stretch>
+                    <a:fillRect/>
+                  </a:stretch>
+                </a:blipFill>
+              </p:spPr>
+              <p:txBody>
+                <a:bodyPr/>
+                <a:lstStyle/>
+                <a:p>
+                  <a:r>
+                    <a:rPr lang="en-US">
+                      <a:noFill/>
+                    </a:rPr>
+                    <a:t> </a:t>
+                  </a:r>
+                </a:p>
+              </p:txBody>
+            </p:sp>
+          </mc:Fallback>
+        </mc:AlternateContent>
+        <p:sp>
+          <p:nvSpPr>
+            <p:cNvPr id="16" name="TextBox 15"/>
+            <p:cNvSpPr txBox="1"/>
+            <p:nvPr/>
+          </p:nvSpPr>
+          <p:spPr>
+            <a:xfrm>
+              <a:off x="-453739" y="584292"/>
+              <a:ext cx="12682846" cy="892552"/>
+            </a:xfrm>
+            <a:prstGeom prst="rect">
+              <a:avLst/>
+            </a:prstGeom>
+            <a:noFill/>
+          </p:spPr>
+          <p:txBody>
+            <a:bodyPr wrap="none" rtlCol="0">
+              <a:spAutoFit/>
+            </a:bodyPr>
+            <a:lstStyle/>
+            <a:p>
+              <a:r>
+                <a:rPr lang="en-US" sz="2600" dirty="0" smtClean="0">
+                  <a:solidFill>
+                    <a:schemeClr val="tx1">
+                      <a:lumMod val="85000"/>
+                      <a:lumOff val="15000"/>
+                    </a:schemeClr>
+                  </a:solidFill>
+                  <a:ea typeface="Al Bayan Plain" charset="-78"/>
+                  <a:cs typeface="Al Bayan Plain" charset="-78"/>
+                </a:rPr>
+                <a:t>An ICSE 2019 </a:t>
+              </a:r>
+              <a:r>
+                <a:rPr lang="en-US" sz="2600" dirty="0" smtClean="0">
+                  <a:solidFill>
+                    <a:schemeClr val="tx1">
+                      <a:lumMod val="85000"/>
+                      <a:lumOff val="15000"/>
+                    </a:schemeClr>
+                  </a:solidFill>
+                  <a:ea typeface="Al Bayan Plain" charset="-78"/>
+                  <a:cs typeface="Al Bayan Plain" charset="-78"/>
+                </a:rPr>
+                <a:t>Workshop </a:t>
+              </a:r>
+              <a:r>
+                <a:rPr lang="en-US" sz="2600" dirty="0" smtClean="0">
+                  <a:solidFill>
+                    <a:schemeClr val="tx1">
+                      <a:lumMod val="85000"/>
+                      <a:lumOff val="15000"/>
+                    </a:schemeClr>
+                  </a:solidFill>
+                  <a:ea typeface="Al Bayan Plain" charset="-78"/>
+                  <a:cs typeface="Al Bayan Plain" charset="-78"/>
+                </a:rPr>
+                <a:t>on Testing </a:t>
+              </a:r>
+              <a:r>
+                <a:rPr lang="en-US" sz="2600" dirty="0">
+                  <a:solidFill>
+                    <a:schemeClr val="tx1">
+                      <a:lumMod val="85000"/>
+                      <a:lumOff val="15000"/>
+                    </a:schemeClr>
+                  </a:solidFill>
+                  <a:ea typeface="Al Bayan Plain" charset="-78"/>
+                  <a:cs typeface="Al Bayan Plain" charset="-78"/>
+                </a:rPr>
+                <a:t>for Deep Learning and Deep Learning for Testing</a:t>
+              </a:r>
+            </a:p>
+            <a:p>
+              <a:endParaRPr lang="en-US" sz="2600" dirty="0">
+                <a:solidFill>
+                  <a:schemeClr val="tx1">
+                    <a:lumMod val="85000"/>
+                    <a:lumOff val="15000"/>
+                  </a:schemeClr>
+                </a:solidFill>
+                <a:latin typeface="Al Bayan Plain" charset="-78"/>
+                <a:ea typeface="Al Bayan Plain" charset="-78"/>
+                <a:cs typeface="Al Bayan Plain" charset="-78"/>
+              </a:endParaRPr>
+            </a:p>
+          </p:txBody>
+        </p:sp>
+      </p:grpSp>
+    </p:spTree>
+    <p:extLst>
+      <p:ext uri="{BB962C8B-B14F-4D97-AF65-F5344CB8AC3E}">
+        <p14:creationId xmlns:p14="http://schemas.microsoft.com/office/powerpoint/2010/main" val="745121377"/>
+      </p:ext>
+    </p:extLst>
+  </p:cSld>
+  <p:clrMapOvr>
+    <a:masterClrMapping/>
+  </p:clrMapOvr>
+  <p:timing>
+    <p:tnLst>
+      <p:par>
+        <p:cTn id="1" dur="indefinite" restart="never" nodeType="tmRoot"/>
+      </p:par>
+    </p:tnLst>
+  </p:timing>
+</p:sld>
+</file>
+
+<file path=ppt/slides/slide7.xml><?xml version="1.0" encoding="utf-8"?>
 <p:sld xmlns:a="http://schemas.openxmlformats.org/drawingml/2006/main" xmlns:r="http://schemas.openxmlformats.org/officeDocument/2006/relationships" xmlns:p="http://schemas.openxmlformats.org/presentationml/2006/main">
   <p:cSld>
     <p:spTree>
